--- a/Hotel Booking Prediction & EDA/Predicting Hotel Cancellations.pptx
+++ b/Hotel Booking Prediction & EDA/Predicting Hotel Cancellations.pptx
@@ -9588,6 +9588,215 @@
           </a:p>
         </p:txBody>
       </p:sp>
+      <p:sp>
+        <p:nvSpPr>
+          <p:cNvPr id="28" name="Subtitle 2">
+            <a:extLst>
+              <a:ext uri="{FF2B5EF4-FFF2-40B4-BE49-F238E27FC236}">
+                <a16:creationId xmlns:a16="http://schemas.microsoft.com/office/drawing/2014/main" id="{898CAD48-BE15-DA15-49E1-2E5134791338}"/>
+              </a:ext>
+            </a:extLst>
+          </p:cNvPr>
+          <p:cNvSpPr txBox="1">
+            <a:spLocks/>
+          </p:cNvSpPr>
+          <p:nvPr/>
+        </p:nvSpPr>
+        <p:spPr>
+          <a:xfrm>
+            <a:off x="6467465" y="5924413"/>
+            <a:ext cx="4941770" cy="396660"/>
+          </a:xfrm>
+          <a:prstGeom prst="rect">
+            <a:avLst/>
+          </a:prstGeom>
+        </p:spPr>
+        <p:txBody>
+          <a:bodyPr vert="horz" lIns="91440" tIns="45720" rIns="91440" bIns="45720" rtlCol="0">
+            <a:normAutofit/>
+          </a:bodyPr>
+          <a:lstStyle>
+            <a:lvl1pPr marL="0" indent="0" algn="l" defTabSz="914400" rtl="0" eaLnBrk="1" latinLnBrk="0" hangingPunct="1">
+              <a:lnSpc>
+                <a:spcPct val="90000"/>
+              </a:lnSpc>
+              <a:spcBef>
+                <a:spcPts val="1000"/>
+              </a:spcBef>
+              <a:buFont typeface="Arial" panose="020B0604020202020204" pitchFamily="34" charset="0"/>
+              <a:buNone/>
+              <a:defRPr sz="1600" kern="1200">
+                <a:solidFill>
+                  <a:schemeClr val="tx1"/>
+                </a:solidFill>
+                <a:latin typeface="+mn-lt"/>
+                <a:ea typeface="+mn-ea"/>
+                <a:cs typeface="+mn-cs"/>
+              </a:defRPr>
+            </a:lvl1pPr>
+            <a:lvl2pPr marL="457200" indent="0" algn="ctr" defTabSz="914400" rtl="0" eaLnBrk="1" latinLnBrk="0" hangingPunct="1">
+              <a:lnSpc>
+                <a:spcPct val="90000"/>
+              </a:lnSpc>
+              <a:spcBef>
+                <a:spcPts val="500"/>
+              </a:spcBef>
+              <a:buFont typeface="Arial" panose="020B0604020202020204" pitchFamily="34" charset="0"/>
+              <a:buNone/>
+              <a:defRPr sz="2000" kern="1200">
+                <a:solidFill>
+                  <a:schemeClr val="tx1"/>
+                </a:solidFill>
+                <a:latin typeface="+mn-lt"/>
+                <a:ea typeface="+mn-ea"/>
+                <a:cs typeface="+mn-cs"/>
+              </a:defRPr>
+            </a:lvl2pPr>
+            <a:lvl3pPr marL="914400" indent="0" algn="ctr" defTabSz="914400" rtl="0" eaLnBrk="1" latinLnBrk="0" hangingPunct="1">
+              <a:lnSpc>
+                <a:spcPct val="90000"/>
+              </a:lnSpc>
+              <a:spcBef>
+                <a:spcPts val="500"/>
+              </a:spcBef>
+              <a:buFont typeface="Arial" panose="020B0604020202020204" pitchFamily="34" charset="0"/>
+              <a:buNone/>
+              <a:defRPr sz="1800" kern="1200">
+                <a:solidFill>
+                  <a:schemeClr val="tx1"/>
+                </a:solidFill>
+                <a:latin typeface="+mn-lt"/>
+                <a:ea typeface="+mn-ea"/>
+                <a:cs typeface="+mn-cs"/>
+              </a:defRPr>
+            </a:lvl3pPr>
+            <a:lvl4pPr marL="1371600" indent="0" algn="ctr" defTabSz="914400" rtl="0" eaLnBrk="1" latinLnBrk="0" hangingPunct="1">
+              <a:lnSpc>
+                <a:spcPct val="90000"/>
+              </a:lnSpc>
+              <a:spcBef>
+                <a:spcPts val="500"/>
+              </a:spcBef>
+              <a:buFont typeface="Arial" panose="020B0604020202020204" pitchFamily="34" charset="0"/>
+              <a:buNone/>
+              <a:defRPr sz="1600" kern="1200">
+                <a:solidFill>
+                  <a:schemeClr val="tx1"/>
+                </a:solidFill>
+                <a:latin typeface="+mn-lt"/>
+                <a:ea typeface="+mn-ea"/>
+                <a:cs typeface="+mn-cs"/>
+              </a:defRPr>
+            </a:lvl4pPr>
+            <a:lvl5pPr marL="1828800" indent="0" algn="ctr" defTabSz="914400" rtl="0" eaLnBrk="1" latinLnBrk="0" hangingPunct="1">
+              <a:lnSpc>
+                <a:spcPct val="90000"/>
+              </a:lnSpc>
+              <a:spcBef>
+                <a:spcPts val="500"/>
+              </a:spcBef>
+              <a:buFont typeface="Arial" panose="020B0604020202020204" pitchFamily="34" charset="0"/>
+              <a:buNone/>
+              <a:defRPr sz="1600" kern="1200">
+                <a:solidFill>
+                  <a:schemeClr val="tx1"/>
+                </a:solidFill>
+                <a:latin typeface="+mn-lt"/>
+                <a:ea typeface="+mn-ea"/>
+                <a:cs typeface="+mn-cs"/>
+              </a:defRPr>
+            </a:lvl5pPr>
+            <a:lvl6pPr marL="2286000" indent="0" algn="ctr" defTabSz="914400" rtl="0" eaLnBrk="1" latinLnBrk="0" hangingPunct="1">
+              <a:lnSpc>
+                <a:spcPct val="90000"/>
+              </a:lnSpc>
+              <a:spcBef>
+                <a:spcPts val="500"/>
+              </a:spcBef>
+              <a:buFont typeface="Arial" panose="020B0604020202020204" pitchFamily="34" charset="0"/>
+              <a:buNone/>
+              <a:defRPr sz="1600" kern="1200">
+                <a:solidFill>
+                  <a:schemeClr val="tx1"/>
+                </a:solidFill>
+                <a:latin typeface="+mn-lt"/>
+                <a:ea typeface="+mn-ea"/>
+                <a:cs typeface="+mn-cs"/>
+              </a:defRPr>
+            </a:lvl6pPr>
+            <a:lvl7pPr marL="2743200" indent="0" algn="ctr" defTabSz="914400" rtl="0" eaLnBrk="1" latinLnBrk="0" hangingPunct="1">
+              <a:lnSpc>
+                <a:spcPct val="90000"/>
+              </a:lnSpc>
+              <a:spcBef>
+                <a:spcPts val="500"/>
+              </a:spcBef>
+              <a:buFont typeface="Arial" panose="020B0604020202020204" pitchFamily="34" charset="0"/>
+              <a:buNone/>
+              <a:defRPr sz="1600" kern="1200">
+                <a:solidFill>
+                  <a:schemeClr val="tx1"/>
+                </a:solidFill>
+                <a:latin typeface="+mn-lt"/>
+                <a:ea typeface="+mn-ea"/>
+                <a:cs typeface="+mn-cs"/>
+              </a:defRPr>
+            </a:lvl7pPr>
+            <a:lvl8pPr marL="3200400" indent="0" algn="ctr" defTabSz="914400" rtl="0" eaLnBrk="1" latinLnBrk="0" hangingPunct="1">
+              <a:lnSpc>
+                <a:spcPct val="90000"/>
+              </a:lnSpc>
+              <a:spcBef>
+                <a:spcPts val="500"/>
+              </a:spcBef>
+              <a:buFont typeface="Arial" panose="020B0604020202020204" pitchFamily="34" charset="0"/>
+              <a:buNone/>
+              <a:defRPr sz="1600" kern="1200">
+                <a:solidFill>
+                  <a:schemeClr val="tx1"/>
+                </a:solidFill>
+                <a:latin typeface="+mn-lt"/>
+                <a:ea typeface="+mn-ea"/>
+                <a:cs typeface="+mn-cs"/>
+              </a:defRPr>
+            </a:lvl8pPr>
+            <a:lvl9pPr marL="3657600" indent="0" algn="ctr" defTabSz="914400" rtl="0" eaLnBrk="1" latinLnBrk="0" hangingPunct="1">
+              <a:lnSpc>
+                <a:spcPct val="90000"/>
+              </a:lnSpc>
+              <a:spcBef>
+                <a:spcPts val="500"/>
+              </a:spcBef>
+              <a:buFont typeface="Arial" panose="020B0604020202020204" pitchFamily="34" charset="0"/>
+              <a:buNone/>
+              <a:defRPr sz="1600" kern="1200">
+                <a:solidFill>
+                  <a:schemeClr val="tx1"/>
+                </a:solidFill>
+                <a:latin typeface="+mn-lt"/>
+                <a:ea typeface="+mn-ea"/>
+                <a:cs typeface="+mn-cs"/>
+              </a:defRPr>
+            </a:lvl9pPr>
+          </a:lstStyle>
+          <a:p>
+            <a:r>
+              <a:rPr lang="en-US" dirty="0"/>
+              <a:t>Video Link: </a:t>
+            </a:r>
+            <a:r>
+              <a:rPr lang="en-US" dirty="0">
+                <a:hlinkClick r:id="rId2"/>
+              </a:rPr>
+              <a:t>https://youtu.be/iKnCc_wPw9k</a:t>
+            </a:r>
+            <a:r>
+              <a:rPr lang="en-US" dirty="0"/>
+              <a:t>  </a:t>
+            </a:r>
+          </a:p>
+        </p:txBody>
+      </p:sp>
     </p:spTree>
     <p:extLst>
       <p:ext uri="{BB962C8B-B14F-4D97-AF65-F5344CB8AC3E}">
@@ -9598,6 +9807,14 @@
   <p:clrMapOvr>
     <a:masterClrMapping/>
   </p:clrMapOvr>
+  <mc:AlternateContent xmlns:mc="http://schemas.openxmlformats.org/markup-compatibility/2006">
+    <mc:Choice xmlns:p14="http://schemas.microsoft.com/office/powerpoint/2010/main" Requires="p14">
+      <p:transition spd="slow" p14:dur="2000" advTm="8010"/>
+    </mc:Choice>
+    <mc:Fallback>
+      <p:transition spd="slow" advTm="8010"/>
+    </mc:Fallback>
+  </mc:AlternateContent>
 </p:sld>
 </file>
 
@@ -10223,6 +10440,14 @@
   <p:clrMapOvr>
     <a:masterClrMapping/>
   </p:clrMapOvr>
+  <mc:AlternateContent xmlns:mc="http://schemas.openxmlformats.org/markup-compatibility/2006">
+    <mc:Choice xmlns:p14="http://schemas.microsoft.com/office/powerpoint/2010/main" Requires="p14">
+      <p:transition spd="slow" p14:dur="2000" advTm="27705"/>
+    </mc:Choice>
+    <mc:Fallback>
+      <p:transition spd="slow" advTm="27705"/>
+    </mc:Fallback>
+  </mc:AlternateContent>
 </p:sld>
 </file>
 
@@ -10498,7 +10723,7 @@
             <a:pPr marL="742950" lvl="1" indent="-285750"/>
             <a:r>
               <a:rPr lang="en-US" sz="4500" dirty="0"/>
-              <a:t>Shape - </a:t>
+              <a:t>Shape: </a:t>
             </a:r>
             <a:r>
               <a:rPr lang="en-US" sz="4500" dirty="0">
@@ -10535,7 +10760,7 @@
             <a:pPr marL="742950" lvl="1" indent="-285750"/>
             <a:r>
               <a:rPr lang="en-US" sz="4500" dirty="0"/>
-              <a:t>Shape - </a:t>
+              <a:t>Shape: </a:t>
             </a:r>
             <a:r>
               <a:rPr lang="en-US" sz="4500" dirty="0">
@@ -10622,6 +10847,14 @@
   <p:clrMapOvr>
     <a:masterClrMapping/>
   </p:clrMapOvr>
+  <mc:AlternateContent xmlns:mc="http://schemas.openxmlformats.org/markup-compatibility/2006">
+    <mc:Choice xmlns:p14="http://schemas.microsoft.com/office/powerpoint/2010/main" Requires="p14">
+      <p:transition spd="slow" p14:dur="2000" advTm="36199"/>
+    </mc:Choice>
+    <mc:Fallback>
+      <p:transition spd="slow" advTm="36199"/>
+    </mc:Fallback>
+  </mc:AlternateContent>
 </p:sld>
 </file>
 
@@ -11203,6 +11436,14 @@
   <p:clrMapOvr>
     <a:masterClrMapping/>
   </p:clrMapOvr>
+  <mc:AlternateContent xmlns:mc="http://schemas.openxmlformats.org/markup-compatibility/2006">
+    <mc:Choice xmlns:p14="http://schemas.microsoft.com/office/powerpoint/2010/main" Requires="p14">
+      <p:transition spd="slow" p14:dur="2000" advTm="23264"/>
+    </mc:Choice>
+    <mc:Fallback>
+      <p:transition spd="slow" advTm="23264"/>
+    </mc:Fallback>
+  </mc:AlternateContent>
 </p:sld>
 </file>
 
@@ -11778,6 +12019,14 @@
   <p:clrMapOvr>
     <a:masterClrMapping/>
   </p:clrMapOvr>
+  <mc:AlternateContent xmlns:mc="http://schemas.openxmlformats.org/markup-compatibility/2006">
+    <mc:Choice xmlns:p14="http://schemas.microsoft.com/office/powerpoint/2010/main" Requires="p14">
+      <p:transition spd="slow" p14:dur="2000" advTm="40007"/>
+    </mc:Choice>
+    <mc:Fallback>
+      <p:transition spd="slow" advTm="40007"/>
+    </mc:Fallback>
+  </mc:AlternateContent>
 </p:sld>
 </file>
 
@@ -12358,6 +12607,14 @@
   <p:clrMapOvr>
     <a:masterClrMapping/>
   </p:clrMapOvr>
+  <mc:AlternateContent xmlns:mc="http://schemas.openxmlformats.org/markup-compatibility/2006">
+    <mc:Choice xmlns:p14="http://schemas.microsoft.com/office/powerpoint/2010/main" Requires="p14">
+      <p:transition spd="slow" p14:dur="2000" advTm="28071"/>
+    </mc:Choice>
+    <mc:Fallback>
+      <p:transition spd="slow" advTm="28071"/>
+    </mc:Fallback>
+  </mc:AlternateContent>
 </p:sld>
 </file>
 
@@ -13134,6 +13391,14 @@
   <p:clrMapOvr>
     <a:masterClrMapping/>
   </p:clrMapOvr>
+  <mc:AlternateContent xmlns:mc="http://schemas.openxmlformats.org/markup-compatibility/2006">
+    <mc:Choice xmlns:p14="http://schemas.microsoft.com/office/powerpoint/2010/main" Requires="p14">
+      <p:transition spd="slow" p14:dur="2000" advTm="32321"/>
+    </mc:Choice>
+    <mc:Fallback>
+      <p:transition spd="slow" advTm="32321"/>
+    </mc:Fallback>
+  </mc:AlternateContent>
 </p:sld>
 </file>
 
@@ -13912,6 +14177,14 @@
   <p:clrMapOvr>
     <a:masterClrMapping/>
   </p:clrMapOvr>
+  <mc:AlternateContent xmlns:mc="http://schemas.openxmlformats.org/markup-compatibility/2006">
+    <mc:Choice xmlns:p14="http://schemas.microsoft.com/office/powerpoint/2010/main" Requires="p14">
+      <p:transition spd="slow" p14:dur="2000" advTm="90069"/>
+    </mc:Choice>
+    <mc:Fallback>
+      <p:transition spd="slow" advTm="90069"/>
+    </mc:Fallback>
+  </mc:AlternateContent>
 </p:sld>
 </file>
 
@@ -14017,7 +14290,7 @@
             </a:r>
             <a:r>
               <a:rPr lang="en-US" sz="1600" dirty="0">
-                <a:hlinkClick r:id="rId2"/>
+                <a:hlinkClick r:id="rId4"/>
               </a:rPr>
               <a:t>https://www.rateboard.io/en/blog/hotel-cancellations-pose-a-great-challenge</a:t>
             </a:r>
@@ -14070,7 +14343,7 @@
                 <a:effectLst/>
                 <a:ea typeface="Calibri" panose="020F0502020204030204" pitchFamily="34" charset="0"/>
                 <a:cs typeface="Times New Roman" panose="02020603050405020304" pitchFamily="18" charset="0"/>
-                <a:hlinkClick r:id="rId3"/>
+                <a:hlinkClick r:id="rId5"/>
               </a:rPr>
               <a:t>https://www.w3schools.com/python/pandas/ref_df_describe.asp</a:t>
             </a:r>
@@ -14122,7 +14395,7 @@
                 <a:effectLst/>
                 <a:ea typeface="Calibri" panose="020F0502020204030204" pitchFamily="34" charset="0"/>
                 <a:cs typeface="Times New Roman" panose="02020603050405020304" pitchFamily="18" charset="0"/>
-                <a:hlinkClick r:id="rId4"/>
+                <a:hlinkClick r:id="rId6"/>
               </a:rPr>
               <a:t>https://www.w3resource.com/pandas/isnull.php#:~:text=The%20isnull()%20function%20is,arrays%2C%20NaT%20in%20datetimelike).&amp;text=Object%20to%20check%20for%20null%20or%20missing%20values</a:t>
             </a:r>
@@ -14192,7 +14465,7 @@
                 <a:effectLst/>
                 <a:ea typeface="Calibri" panose="020F0502020204030204" pitchFamily="34" charset="0"/>
                 <a:cs typeface="Times New Roman" panose="02020603050405020304" pitchFamily="18" charset="0"/>
-                <a:hlinkClick r:id="rId5"/>
+                <a:hlinkClick r:id="rId7"/>
               </a:rPr>
               <a:t>https://seaborn.pydata.org/generated/seaborn.heatmap.html</a:t>
             </a:r>
@@ -14210,6 +14483,44 @@
           </a:p>
         </p:txBody>
       </p:sp>
+      <p:pic>
+        <p:nvPicPr>
+          <p:cNvPr id="5" name="Audio 4">
+            <a:hlinkClick r:id="" action="ppaction://media"/>
+            <a:extLst>
+              <a:ext uri="{FF2B5EF4-FFF2-40B4-BE49-F238E27FC236}">
+                <a16:creationId xmlns:a16="http://schemas.microsoft.com/office/drawing/2014/main" id="{0C32B121-59AA-B6F2-A85F-B294EF124624}"/>
+              </a:ext>
+            </a:extLst>
+          </p:cNvPr>
+          <p:cNvPicPr>
+            <a:picLocks noChangeAspect="1"/>
+          </p:cNvPicPr>
+          <p:nvPr>
+            <a:audioFile r:link="rId2"/>
+            <p:extLst>
+              <p:ext uri="{DAA4B4D4-6D71-4841-9C94-3DE7FCFB9230}">
+                <p14:media xmlns:p14="http://schemas.microsoft.com/office/powerpoint/2010/main" r:embed="rId1"/>
+              </p:ext>
+            </p:extLst>
+          </p:nvPr>
+        </p:nvPicPr>
+        <p:blipFill>
+          <a:blip r:embed="rId8"/>
+          <a:stretch>
+            <a:fillRect/>
+          </a:stretch>
+        </p:blipFill>
+        <p:spPr>
+          <a:xfrm>
+            <a:off x="11734800" y="6400800"/>
+            <a:ext cx="304800" cy="304800"/>
+          </a:xfrm>
+          <a:prstGeom prst="rect">
+            <a:avLst/>
+          </a:prstGeom>
+        </p:spPr>
+      </p:pic>
     </p:spTree>
     <p:extLst>
       <p:ext uri="{BB962C8B-B14F-4D97-AF65-F5344CB8AC3E}">
@@ -14220,6 +14531,101 @@
   <p:clrMapOvr>
     <a:masterClrMapping/>
   </p:clrMapOvr>
+  <mc:AlternateContent xmlns:mc="http://schemas.openxmlformats.org/markup-compatibility/2006">
+    <mc:Choice xmlns:p14="http://schemas.microsoft.com/office/powerpoint/2010/main" Requires="p14">
+      <p:transition spd="slow" p14:dur="2000" advTm="9440"/>
+    </mc:Choice>
+    <mc:Fallback>
+      <p:transition spd="slow" advTm="9440"/>
+    </mc:Fallback>
+  </mc:AlternateContent>
+  <p:timing>
+    <p:tnLst>
+      <p:par>
+        <p:cTn id="1" dur="indefinite" restart="never" nodeType="tmRoot">
+          <p:childTnLst>
+            <p:seq concurrent="1" nextAc="seek">
+              <p:cTn id="2" dur="indefinite" nodeType="mainSeq">
+                <p:childTnLst>
+                  <p:par>
+                    <p:cTn id="3" fill="hold">
+                      <p:stCondLst>
+                        <p:cond delay="indefinite"/>
+                        <p:cond evt="onBegin" delay="0">
+                          <p:tn val="2"/>
+                        </p:cond>
+                      </p:stCondLst>
+                      <p:childTnLst>
+                        <p:par>
+                          <p:cTn id="4" fill="hold">
+                            <p:stCondLst>
+                              <p:cond delay="0"/>
+                            </p:stCondLst>
+                            <p:childTnLst>
+                              <p:par>
+                                <p:cTn id="5" presetID="1" presetClass="mediacall" presetSubtype="0" fill="hold" nodeType="afterEffect">
+                                  <p:stCondLst>
+                                    <p:cond delay="0"/>
+                                  </p:stCondLst>
+                                  <p:childTnLst>
+                                    <p:cmd type="call" cmd="playFrom(0.0)">
+                                      <p:cBhvr>
+                                        <p:cTn id="6" dur="1" fill="hold"/>
+                                        <p:tgtEl>
+                                          <p:spTgt spid="5"/>
+                                        </p:tgtEl>
+                                      </p:cBhvr>
+                                    </p:cmd>
+                                  </p:childTnLst>
+                                </p:cTn>
+                              </p:par>
+                            </p:childTnLst>
+                          </p:cTn>
+                        </p:par>
+                      </p:childTnLst>
+                    </p:cTn>
+                  </p:par>
+                </p:childTnLst>
+              </p:cTn>
+              <p:prevCondLst>
+                <p:cond evt="onPrev" delay="0">
+                  <p:tgtEl>
+                    <p:sldTgt/>
+                  </p:tgtEl>
+                </p:cond>
+              </p:prevCondLst>
+              <p:nextCondLst>
+                <p:cond evt="onNext" delay="0">
+                  <p:tgtEl>
+                    <p:sldTgt/>
+                  </p:tgtEl>
+                </p:cond>
+              </p:nextCondLst>
+            </p:seq>
+            <p:audio isNarration="1">
+              <p:cMediaNode vol="80000" showWhenStopped="0">
+                <p:cTn id="7" fill="hold" display="0">
+                  <p:stCondLst>
+                    <p:cond delay="indefinite"/>
+                  </p:stCondLst>
+                  <p:endCondLst>
+                    <p:cond evt="onStopAudio" delay="0">
+                      <p:tgtEl>
+                        <p:sldTgt/>
+                      </p:tgtEl>
+                    </p:cond>
+                  </p:endCondLst>
+                </p:cTn>
+                <p:tgtEl>
+                  <p:spTgt spid="5"/>
+                </p:tgtEl>
+              </p:cMediaNode>
+            </p:audio>
+          </p:childTnLst>
+        </p:cTn>
+      </p:par>
+    </p:tnLst>
+  </p:timing>
 </p:sld>
 </file>
 
@@ -14332,107 +14738,6 @@
           </a:p>
         </p:txBody>
       </p:sp>
-      <p:sp>
-        <p:nvSpPr>
-          <p:cNvPr id="5" name="Date Placeholder 4">
-            <a:extLst>
-              <a:ext uri="{FF2B5EF4-FFF2-40B4-BE49-F238E27FC236}">
-                <a16:creationId xmlns:a16="http://schemas.microsoft.com/office/drawing/2014/main" id="{9AB5BAF8-EA80-4AD4-8D83-5960C299573A}"/>
-              </a:ext>
-            </a:extLst>
-          </p:cNvPr>
-          <p:cNvSpPr>
-            <a:spLocks noGrp="1"/>
-          </p:cNvSpPr>
-          <p:nvPr>
-            <p:ph type="dt" sz="half" idx="10"/>
-          </p:nvPr>
-        </p:nvSpPr>
-        <p:spPr>
-          <a:xfrm>
-            <a:off x="1333500" y="6356350"/>
-            <a:ext cx="985157" cy="365125"/>
-          </a:xfrm>
-        </p:spPr>
-        <p:txBody>
-          <a:bodyPr/>
-          <a:lstStyle/>
-          <a:p>
-            <a:r>
-              <a:rPr lang="en-US" dirty="0"/>
-              <a:t>20XX</a:t>
-            </a:r>
-          </a:p>
-        </p:txBody>
-      </p:sp>
-      <p:sp>
-        <p:nvSpPr>
-          <p:cNvPr id="4" name="Footer Placeholder 3">
-            <a:extLst>
-              <a:ext uri="{FF2B5EF4-FFF2-40B4-BE49-F238E27FC236}">
-                <a16:creationId xmlns:a16="http://schemas.microsoft.com/office/drawing/2014/main" id="{36C19884-873C-4D13-BE6D-318CF07B0D12}"/>
-              </a:ext>
-            </a:extLst>
-          </p:cNvPr>
-          <p:cNvSpPr>
-            <a:spLocks noGrp="1"/>
-          </p:cNvSpPr>
-          <p:nvPr>
-            <p:ph type="ftr" sz="quarter" idx="11"/>
-          </p:nvPr>
-        </p:nvSpPr>
-        <p:spPr>
-          <a:xfrm>
-            <a:off x="2669886" y="6356349"/>
-            <a:ext cx="2482842" cy="365125"/>
-          </a:xfrm>
-        </p:spPr>
-        <p:txBody>
-          <a:bodyPr/>
-          <a:lstStyle/>
-          <a:p>
-            <a:r>
-              <a:rPr lang="en-US" dirty="0"/>
-              <a:t>PRESENTATION TITLE</a:t>
-            </a:r>
-          </a:p>
-        </p:txBody>
-      </p:sp>
-      <p:sp>
-        <p:nvSpPr>
-          <p:cNvPr id="6" name="Slide Number Placeholder 5">
-            <a:extLst>
-              <a:ext uri="{FF2B5EF4-FFF2-40B4-BE49-F238E27FC236}">
-                <a16:creationId xmlns:a16="http://schemas.microsoft.com/office/drawing/2014/main" id="{7C991F00-87A7-45A6-8029-B097FA72498D}"/>
-              </a:ext>
-            </a:extLst>
-          </p:cNvPr>
-          <p:cNvSpPr>
-            <a:spLocks noGrp="1"/>
-          </p:cNvSpPr>
-          <p:nvPr>
-            <p:ph type="sldNum" sz="quarter" idx="12"/>
-          </p:nvPr>
-        </p:nvSpPr>
-        <p:spPr>
-          <a:xfrm>
-            <a:off x="5536305" y="6356350"/>
-            <a:ext cx="987552" cy="365125"/>
-          </a:xfrm>
-        </p:spPr>
-        <p:txBody>
-          <a:bodyPr/>
-          <a:lstStyle/>
-          <a:p>
-            <a:fld id="{A49DFD55-3C28-40EF-9E31-A92D2E4017FF}" type="slidenum">
-              <a:rPr lang="en-US" smtClean="0"/>
-              <a:pPr/>
-              <a:t>2</a:t>
-            </a:fld>
-            <a:endParaRPr lang="en-US" dirty="0"/>
-          </a:p>
-        </p:txBody>
-      </p:sp>
     </p:spTree>
     <p:extLst>
       <p:ext uri="{BB962C8B-B14F-4D97-AF65-F5344CB8AC3E}">
@@ -14443,6 +14748,14 @@
   <p:clrMapOvr>
     <a:masterClrMapping/>
   </p:clrMapOvr>
+  <mc:AlternateContent xmlns:mc="http://schemas.openxmlformats.org/markup-compatibility/2006">
+    <mc:Choice xmlns:p14="http://schemas.microsoft.com/office/powerpoint/2010/main" Requires="p14">
+      <p:transition spd="slow" p14:dur="2000" advTm="11934"/>
+    </mc:Choice>
+    <mc:Fallback>
+      <p:transition spd="slow" advTm="11934"/>
+    </mc:Fallback>
+  </mc:AlternateContent>
 </p:sld>
 </file>
 
@@ -14540,7 +14853,7 @@
                 <a:latin typeface="Times New Roman" panose="02020603050405020304" pitchFamily="18" charset="0"/>
                 <a:ea typeface="Calibri" panose="020F0502020204030204" pitchFamily="34" charset="0"/>
               </a:rPr>
-              <a:t>“room is booked for only 1 or 2 nights; it is more likely to be cancelled then if the length of stay is 3 nights or longer.” (Eric) </a:t>
+              <a:t>“room booked for only 1 or 2 nights; is more likely to be cancelled then if the length of stay is 3 nights or longer.” (Eric) </a:t>
             </a:r>
             <a:endParaRPr lang="en-US" dirty="0"/>
           </a:p>
@@ -14594,6 +14907,14 @@
   <p:clrMapOvr>
     <a:masterClrMapping/>
   </p:clrMapOvr>
+  <mc:AlternateContent xmlns:mc="http://schemas.openxmlformats.org/markup-compatibility/2006">
+    <mc:Choice xmlns:p14="http://schemas.microsoft.com/office/powerpoint/2010/main" Requires="p14">
+      <p:transition spd="slow" p14:dur="2000" advTm="22344"/>
+    </mc:Choice>
+    <mc:Fallback>
+      <p:transition spd="slow" advTm="22344"/>
+    </mc:Fallback>
+  </mc:AlternateContent>
 </p:sld>
 </file>
 
@@ -14686,7 +15007,7 @@
                 <a:effectLst/>
                 <a:ea typeface="Calibri" panose="020F0502020204030204" pitchFamily="34" charset="0"/>
               </a:rPr>
-              <a:t>rovide hotels with a hassle-free way to predict cancellations to allow hotels to accurately forecast future occupancy rates. </a:t>
+              <a:t>rovide hotels with a hassle-free way to predict cancellations to allow accurate forecasts for future occupancy rates. </a:t>
             </a:r>
             <a:r>
               <a:rPr lang="en-US" sz="2000" dirty="0"/>
@@ -14945,7 +15266,7 @@
               <a:rPr lang="en-US" sz="2000" dirty="0">
                 <a:ea typeface="Calibri" panose="020F0502020204030204" pitchFamily="34" charset="0"/>
               </a:rPr>
-              <a:t>Hotels are seeing an increase in cancellations due to contributors such as 24-hour cancellation windows.</a:t>
+              <a:t>Hotels are seeing an increase in cancellations due to options such as the 24-hour cancellation windows.</a:t>
             </a:r>
           </a:p>
           <a:p>
@@ -14965,6 +15286,14 @@
   <p:clrMapOvr>
     <a:masterClrMapping/>
   </p:clrMapOvr>
+  <mc:AlternateContent xmlns:mc="http://schemas.openxmlformats.org/markup-compatibility/2006">
+    <mc:Choice xmlns:p14="http://schemas.microsoft.com/office/powerpoint/2010/main" Requires="p14">
+      <p:transition spd="slow" p14:dur="2000" advTm="25030"/>
+    </mc:Choice>
+    <mc:Fallback>
+      <p:transition spd="slow" advTm="25030"/>
+    </mc:Fallback>
+  </mc:AlternateContent>
 </p:sld>
 </file>
 
@@ -15208,41 +15537,6 @@
           </a:p>
         </p:txBody>
       </p:sp>
-      <p:sp>
-        <p:nvSpPr>
-          <p:cNvPr id="6" name="Slide Number Placeholder 5">
-            <a:extLst>
-              <a:ext uri="{FF2B5EF4-FFF2-40B4-BE49-F238E27FC236}">
-                <a16:creationId xmlns:a16="http://schemas.microsoft.com/office/drawing/2014/main" id="{7BC1787E-7110-4989-B0B8-DD4E0ACC09DF}"/>
-              </a:ext>
-            </a:extLst>
-          </p:cNvPr>
-          <p:cNvSpPr>
-            <a:spLocks noGrp="1"/>
-          </p:cNvSpPr>
-          <p:nvPr>
-            <p:ph type="sldNum" sz="quarter" idx="12"/>
-          </p:nvPr>
-        </p:nvSpPr>
-        <p:spPr>
-          <a:xfrm>
-            <a:off x="8610600" y="6356350"/>
-            <a:ext cx="2743200" cy="365125"/>
-          </a:xfrm>
-        </p:spPr>
-        <p:txBody>
-          <a:bodyPr/>
-          <a:lstStyle/>
-          <a:p>
-            <a:fld id="{A49DFD55-3C28-40EF-9E31-A92D2E4017FF}" type="slidenum">
-              <a:rPr lang="en-US" smtClean="0"/>
-              <a:pPr/>
-              <a:t>5</a:t>
-            </a:fld>
-            <a:endParaRPr lang="en-US" dirty="0"/>
-          </a:p>
-        </p:txBody>
-      </p:sp>
     </p:spTree>
     <p:extLst>
       <p:ext uri="{BB962C8B-B14F-4D97-AF65-F5344CB8AC3E}">
@@ -15253,6 +15547,14 @@
   <p:clrMapOvr>
     <a:masterClrMapping/>
   </p:clrMapOvr>
+  <mc:AlternateContent xmlns:mc="http://schemas.openxmlformats.org/markup-compatibility/2006">
+    <mc:Choice xmlns:p14="http://schemas.microsoft.com/office/powerpoint/2010/main" Requires="p14">
+      <p:transition spd="slow" p14:dur="2000" advTm="25246"/>
+    </mc:Choice>
+    <mc:Fallback>
+      <p:transition spd="slow" advTm="25246"/>
+    </mc:Fallback>
+  </mc:AlternateContent>
 </p:sld>
 </file>
 
@@ -15508,7 +15810,7 @@
             <a:pPr marL="742950" lvl="1" indent="-285750"/>
             <a:r>
               <a:rPr lang="en-US" sz="1800" dirty="0"/>
-              <a:t>Describe – “method </a:t>
+              <a:t>Describe – “method that </a:t>
             </a:r>
             <a:r>
               <a:rPr lang="en-US" sz="1800" dirty="0">
@@ -16002,6 +16304,14 @@
   <p:clrMapOvr>
     <a:masterClrMapping/>
   </p:clrMapOvr>
+  <mc:AlternateContent xmlns:mc="http://schemas.openxmlformats.org/markup-compatibility/2006">
+    <mc:Choice xmlns:p14="http://schemas.microsoft.com/office/powerpoint/2010/main" Requires="p14">
+      <p:transition spd="slow" p14:dur="2000" advTm="38668"/>
+    </mc:Choice>
+    <mc:Fallback>
+      <p:transition spd="slow" advTm="38668"/>
+    </mc:Fallback>
+  </mc:AlternateContent>
 </p:sld>
 </file>
 
@@ -16605,6 +16915,14 @@
   <p:clrMapOvr>
     <a:masterClrMapping/>
   </p:clrMapOvr>
+  <mc:AlternateContent xmlns:mc="http://schemas.openxmlformats.org/markup-compatibility/2006">
+    <mc:Choice xmlns:p14="http://schemas.microsoft.com/office/powerpoint/2010/main" Requires="p14">
+      <p:transition spd="slow" p14:dur="2000" advTm="47362"/>
+    </mc:Choice>
+    <mc:Fallback>
+      <p:transition spd="slow" advTm="47362"/>
+    </mc:Fallback>
+  </mc:AlternateContent>
 </p:sld>
 </file>
 
@@ -17045,6 +17363,14 @@
   <p:clrMapOvr>
     <a:masterClrMapping/>
   </p:clrMapOvr>
+  <mc:AlternateContent xmlns:mc="http://schemas.openxmlformats.org/markup-compatibility/2006">
+    <mc:Choice xmlns:p14="http://schemas.microsoft.com/office/powerpoint/2010/main" Requires="p14">
+      <p:transition spd="slow" p14:dur="2000" advTm="37963"/>
+    </mc:Choice>
+    <mc:Fallback>
+      <p:transition spd="slow" advTm="37963"/>
+    </mc:Fallback>
+  </mc:AlternateContent>
 </p:sld>
 </file>
 
@@ -17462,6 +17788,14 @@
   <p:clrMapOvr>
     <a:masterClrMapping/>
   </p:clrMapOvr>
+  <mc:AlternateContent xmlns:mc="http://schemas.openxmlformats.org/markup-compatibility/2006">
+    <mc:Choice xmlns:p14="http://schemas.microsoft.com/office/powerpoint/2010/main" Requires="p14">
+      <p:transition spd="slow" p14:dur="2000" advTm="32855"/>
+    </mc:Choice>
+    <mc:Fallback>
+      <p:transition spd="slow" advTm="32855"/>
+    </mc:Fallback>
+  </mc:AlternateContent>
 </p:sld>
 </file>
 
